--- a/docker/docker_Paas方案V101.pptx
+++ b/docker/docker_Paas方案V101.pptx
@@ -734,6 +734,90 @@
       </p:grpSpPr>
       <p:sp>
         <p:nvSpPr>
+          <p:cNvPr id="2" name="幻灯片图像占位符 1"/>
+          <p:cNvSpPr>
+            <a:spLocks noGrp="1" noRot="1" noChangeAspect="1"/>
+          </p:cNvSpPr>
+          <p:nvPr>
+            <p:ph type="sldImg"/>
+          </p:nvPr>
+        </p:nvSpPr>
+        <p:spPr/>
+      </p:sp>
+      <p:sp>
+        <p:nvSpPr>
+          <p:cNvPr id="3" name="备注占位符 2"/>
+          <p:cNvSpPr>
+            <a:spLocks noGrp="1"/>
+          </p:cNvSpPr>
+          <p:nvPr>
+            <p:ph type="body" idx="1"/>
+          </p:nvPr>
+        </p:nvSpPr>
+        <p:spPr/>
+        <p:txBody>
+          <a:bodyPr/>
+          <a:lstStyle/>
+          <a:p>
+            <a:endParaRPr lang="zh-CN" altLang="en-US" dirty="0"/>
+          </a:p>
+        </p:txBody>
+      </p:sp>
+      <p:sp>
+        <p:nvSpPr>
+          <p:cNvPr id="4" name="灯片编号占位符 3"/>
+          <p:cNvSpPr>
+            <a:spLocks noGrp="1"/>
+          </p:cNvSpPr>
+          <p:nvPr>
+            <p:ph type="sldNum" sz="quarter" idx="10"/>
+          </p:nvPr>
+        </p:nvSpPr>
+        <p:spPr/>
+        <p:txBody>
+          <a:bodyPr/>
+          <a:lstStyle/>
+          <a:p>
+            <a:fld id="{36998559-7C5B-4FBE-AB0C-B877842C7958}" type="slidenum">
+              <a:rPr lang="zh-CN" altLang="en-US" smtClean="0"/>
+              <a:t>8</a:t>
+            </a:fld>
+            <a:endParaRPr lang="zh-CN" altLang="en-US"/>
+          </a:p>
+        </p:txBody>
+      </p:sp>
+    </p:spTree>
+    <p:extLst>
+      <p:ext uri="{BB962C8B-B14F-4D97-AF65-F5344CB8AC3E}">
+        <p14:creationId xmlns:p14="http://schemas.microsoft.com/office/powerpoint/2010/main" val="3304364813"/>
+      </p:ext>
+    </p:extLst>
+  </p:cSld>
+  <p:clrMapOvr>
+    <a:masterClrMapping/>
+  </p:clrMapOvr>
+</p:notes>
+</file>
+
+<file path=ppt/notesSlides/notesSlide3.xml><?xml version="1.0" encoding="utf-8"?>
+<p:notes xmlns:a="http://schemas.openxmlformats.org/drawingml/2006/main" xmlns:r="http://schemas.openxmlformats.org/officeDocument/2006/relationships" xmlns:p="http://schemas.openxmlformats.org/presentationml/2006/main">
+  <p:cSld>
+    <p:spTree>
+      <p:nvGrpSpPr>
+        <p:cNvPr id="1" name=""/>
+        <p:cNvGrpSpPr/>
+        <p:nvPr/>
+      </p:nvGrpSpPr>
+      <p:grpSpPr>
+        <a:xfrm>
+          <a:off x="0" y="0"/>
+          <a:ext cx="0" cy="0"/>
+          <a:chOff x="0" y="0"/>
+          <a:chExt cx="0" cy="0"/>
+        </a:xfrm>
+      </p:grpSpPr>
+      <p:sp>
+        <p:nvSpPr>
           <p:cNvPr id="2" name="Slide Image Placeholder 1"/>
           <p:cNvSpPr>
             <a:spLocks noGrp="1" noRot="1" noChangeAspect="1"/>
@@ -918,7 +1002,7 @@
 </p:notes>
 </file>
 
-<file path=ppt/notesSlides/notesSlide3.xml><?xml version="1.0" encoding="utf-8"?>
+<file path=ppt/notesSlides/notesSlide4.xml><?xml version="1.0" encoding="utf-8"?>
 <p:notes xmlns:a="http://schemas.openxmlformats.org/drawingml/2006/main" xmlns:r="http://schemas.openxmlformats.org/officeDocument/2006/relationships" xmlns:p="http://schemas.openxmlformats.org/presentationml/2006/main">
   <p:cSld>
     <p:spTree>
@@ -1093,7 +1177,7 @@
 </p:notes>
 </file>
 
-<file path=ppt/notesSlides/notesSlide4.xml><?xml version="1.0" encoding="utf-8"?>
+<file path=ppt/notesSlides/notesSlide5.xml><?xml version="1.0" encoding="utf-8"?>
 <p:notes xmlns:a="http://schemas.openxmlformats.org/drawingml/2006/main" xmlns:r="http://schemas.openxmlformats.org/officeDocument/2006/relationships" xmlns:p="http://schemas.openxmlformats.org/presentationml/2006/main">
   <p:cSld>
     <p:spTree>
@@ -5690,8 +5774,84 @@
                 <a:latin typeface="微软雅黑" panose="020B0503020204020204" pitchFamily="34" charset="-122"/>
                 <a:ea typeface="微软雅黑" panose="020B0503020204020204" pitchFamily="34" charset="-122"/>
               </a:rPr>
-              <a:t>多租户</a:t>
-            </a:r>
+              <a:t>多</a:t>
+            </a:r>
+            <a:r>
+              <a:rPr lang="zh-CN" altLang="en-US" sz="1400" dirty="0" smtClean="0">
+                <a:latin typeface="微软雅黑" panose="020B0503020204020204" pitchFamily="34" charset="-122"/>
+                <a:ea typeface="微软雅黑" panose="020B0503020204020204" pitchFamily="34" charset="-122"/>
+              </a:rPr>
+              <a:t>租户</a:t>
+            </a:r>
+            <a:r>
+              <a:rPr lang="en-US" altLang="zh-CN" sz="1400" dirty="0" smtClean="0">
+                <a:latin typeface="微软雅黑" panose="020B0503020204020204" pitchFamily="34" charset="-122"/>
+                <a:ea typeface="微软雅黑" panose="020B0503020204020204" pitchFamily="34" charset="-122"/>
+              </a:rPr>
+              <a:t>(</a:t>
+            </a:r>
+            <a:r>
+              <a:rPr lang="zh-CN" altLang="en-US" sz="1400" dirty="0" smtClean="0">
+                <a:latin typeface="微软雅黑" panose="020B0503020204020204" pitchFamily="34" charset="-122"/>
+                <a:ea typeface="微软雅黑" panose="020B0503020204020204" pitchFamily="34" charset="-122"/>
+              </a:rPr>
+              <a:t>未来</a:t>
+            </a:r>
+            <a:r>
+              <a:rPr lang="en-US" altLang="zh-CN" sz="1400" dirty="0" smtClean="0">
+                <a:latin typeface="微软雅黑" panose="020B0503020204020204" pitchFamily="34" charset="-122"/>
+                <a:ea typeface="微软雅黑" panose="020B0503020204020204" pitchFamily="34" charset="-122"/>
+              </a:rPr>
+              <a:t>)</a:t>
+            </a:r>
+            <a:endParaRPr lang="zh-CN" altLang="en-US" sz="1400" dirty="0" smtClean="0">
+              <a:latin typeface="微软雅黑" panose="020B0503020204020204" pitchFamily="34" charset="-122"/>
+              <a:ea typeface="微软雅黑" panose="020B0503020204020204" pitchFamily="34" charset="-122"/>
+            </a:endParaRPr>
+          </a:p>
+          <a:p>
+            <a:pPr marL="0" indent="0">
+              <a:buNone/>
+            </a:pPr>
+            <a:r>
+              <a:rPr lang="en-US" altLang="zh-CN" sz="1400" dirty="0" smtClean="0">
+                <a:latin typeface="微软雅黑" panose="020B0503020204020204" pitchFamily="34" charset="-122"/>
+                <a:ea typeface="微软雅黑" panose="020B0503020204020204" pitchFamily="34" charset="-122"/>
+              </a:rPr>
+              <a:t>15.</a:t>
+            </a:r>
+            <a:r>
+              <a:rPr lang="zh-CN" altLang="en-US" sz="1400" dirty="0" smtClean="0">
+                <a:latin typeface="微软雅黑" panose="020B0503020204020204" pitchFamily="34" charset="-122"/>
+                <a:ea typeface="微软雅黑" panose="020B0503020204020204" pitchFamily="34" charset="-122"/>
+              </a:rPr>
+              <a:t>计费</a:t>
+            </a:r>
+            <a:r>
+              <a:rPr lang="en-US" altLang="zh-CN" sz="1400" dirty="0">
+                <a:latin typeface="微软雅黑" panose="020B0503020204020204" pitchFamily="34" charset="-122"/>
+                <a:ea typeface="微软雅黑" panose="020B0503020204020204" pitchFamily="34" charset="-122"/>
+              </a:rPr>
+              <a:t>(</a:t>
+            </a:r>
+            <a:r>
+              <a:rPr lang="zh-CN" altLang="en-US" sz="1400" dirty="0">
+                <a:latin typeface="微软雅黑" panose="020B0503020204020204" pitchFamily="34" charset="-122"/>
+                <a:ea typeface="微软雅黑" panose="020B0503020204020204" pitchFamily="34" charset="-122"/>
+              </a:rPr>
+              <a:t>未来</a:t>
+            </a:r>
+            <a:r>
+              <a:rPr lang="en-US" altLang="zh-CN" sz="1400" dirty="0" smtClean="0">
+                <a:latin typeface="微软雅黑" panose="020B0503020204020204" pitchFamily="34" charset="-122"/>
+                <a:ea typeface="微软雅黑" panose="020B0503020204020204" pitchFamily="34" charset="-122"/>
+              </a:rPr>
+              <a:t>)</a:t>
+            </a:r>
+            <a:endParaRPr lang="zh-CN" altLang="en-US" sz="1400" dirty="0" smtClean="0">
+              <a:latin typeface="微软雅黑" panose="020B0503020204020204" pitchFamily="34" charset="-122"/>
+              <a:ea typeface="微软雅黑" panose="020B0503020204020204" pitchFamily="34" charset="-122"/>
+            </a:endParaRPr>
           </a:p>
           <a:p>
             <a:pPr marL="0" indent="0">
@@ -5703,19 +5863,18 @@
                 <a:latin typeface="微软雅黑" panose="020B0503020204020204" pitchFamily="34" charset="-122"/>
                 <a:ea typeface="微软雅黑" panose="020B0503020204020204" pitchFamily="34" charset="-122"/>
               </a:rPr>
-              <a:t>15.</a:t>
+              <a:t>16.</a:t>
             </a:r>
             <a:r>
               <a:rPr lang="zh-CN" altLang="en-US" sz="1400" dirty="0" smtClean="0">
                 <a:latin typeface="微软雅黑" panose="020B0503020204020204" pitchFamily="34" charset="-122"/>
                 <a:ea typeface="微软雅黑" panose="020B0503020204020204" pitchFamily="34" charset="-122"/>
               </a:rPr>
-              <a:t>计费</a:t>
+              <a:t>对开发流程的支持</a:t>
             </a:r>
           </a:p>
           <a:p>
             <a:pPr marL="0" indent="0">
-              <a:buFont typeface="Arial" panose="020B0604020202020204" pitchFamily="34" charset="0"/>
               <a:buNone/>
             </a:pPr>
             <a:r>
@@ -5723,34 +5882,42 @@
                 <a:latin typeface="微软雅黑" panose="020B0503020204020204" pitchFamily="34" charset="-122"/>
                 <a:ea typeface="微软雅黑" panose="020B0503020204020204" pitchFamily="34" charset="-122"/>
               </a:rPr>
-              <a:t>16.</a:t>
+              <a:t>17.</a:t>
             </a:r>
             <a:r>
               <a:rPr lang="zh-CN" altLang="en-US" sz="1400" dirty="0" smtClean="0">
                 <a:latin typeface="微软雅黑" panose="020B0503020204020204" pitchFamily="34" charset="-122"/>
                 <a:ea typeface="微软雅黑" panose="020B0503020204020204" pitchFamily="34" charset="-122"/>
               </a:rPr>
-              <a:t>对开发流程的支持</a:t>
-            </a:r>
-          </a:p>
-          <a:p>
-            <a:pPr marL="0" indent="0">
-              <a:buFont typeface="Arial" panose="020B0604020202020204" pitchFamily="34" charset="0"/>
-              <a:buNone/>
-            </a:pPr>
+              <a:t>对应用架构的</a:t>
+            </a:r>
+            <a:r>
+              <a:rPr lang="zh-CN" altLang="en-US" sz="1400" dirty="0" smtClean="0">
+                <a:latin typeface="微软雅黑" panose="020B0503020204020204" pitchFamily="34" charset="-122"/>
+                <a:ea typeface="微软雅黑" panose="020B0503020204020204" pitchFamily="34" charset="-122"/>
+              </a:rPr>
+              <a:t>支持</a:t>
+            </a:r>
+            <a:r>
+              <a:rPr lang="en-US" altLang="zh-CN" sz="1400" dirty="0">
+                <a:latin typeface="微软雅黑" panose="020B0503020204020204" pitchFamily="34" charset="-122"/>
+                <a:ea typeface="微软雅黑" panose="020B0503020204020204" pitchFamily="34" charset="-122"/>
+              </a:rPr>
+              <a:t>(</a:t>
+            </a:r>
+            <a:r>
+              <a:rPr lang="zh-CN" altLang="en-US" sz="1400" dirty="0">
+                <a:latin typeface="微软雅黑" panose="020B0503020204020204" pitchFamily="34" charset="-122"/>
+                <a:ea typeface="微软雅黑" panose="020B0503020204020204" pitchFamily="34" charset="-122"/>
+              </a:rPr>
+              <a:t>未来</a:t>
+            </a:r>
             <a:r>
               <a:rPr lang="en-US" altLang="zh-CN" sz="1400" dirty="0" smtClean="0">
                 <a:latin typeface="微软雅黑" panose="020B0503020204020204" pitchFamily="34" charset="-122"/>
                 <a:ea typeface="微软雅黑" panose="020B0503020204020204" pitchFamily="34" charset="-122"/>
               </a:rPr>
-              <a:t>17.</a:t>
-            </a:r>
-            <a:r>
-              <a:rPr lang="zh-CN" altLang="en-US" sz="1400" dirty="0" smtClean="0">
-                <a:latin typeface="微软雅黑" panose="020B0503020204020204" pitchFamily="34" charset="-122"/>
-                <a:ea typeface="微软雅黑" panose="020B0503020204020204" pitchFamily="34" charset="-122"/>
-              </a:rPr>
-              <a:t>对应用架构的支持</a:t>
+              <a:t>)</a:t>
             </a:r>
             <a:endParaRPr lang="zh-CN" altLang="en-US" sz="1400" dirty="0">
               <a:latin typeface="微软雅黑" panose="020B0503020204020204" pitchFamily="34" charset="-122"/>
@@ -6550,7 +6717,51 @@
                 <a:ea typeface="微软雅黑" pitchFamily="34" charset="-122"/>
                 <a:cs typeface="+mj-cs"/>
               </a:rPr>
-              <a:t>部件模块</a:t>
+              <a:t>部件</a:t>
+            </a:r>
+            <a:r>
+              <a:rPr lang="zh-CN" altLang="en-US" sz="4000" dirty="0" smtClean="0">
+                <a:solidFill>
+                  <a:srgbClr val="2C95DD"/>
+                </a:solidFill>
+                <a:latin typeface="微软雅黑" pitchFamily="34" charset="-122"/>
+                <a:ea typeface="微软雅黑" pitchFamily="34" charset="-122"/>
+                <a:cs typeface="+mj-cs"/>
+              </a:rPr>
+              <a:t>模块（</a:t>
+            </a:r>
+            <a:r>
+              <a:rPr lang="en-US" altLang="zh-CN" sz="4000" dirty="0" err="1" smtClean="0">
+                <a:solidFill>
+                  <a:srgbClr val="FF0000"/>
+                </a:solidFill>
+                <a:latin typeface="微软雅黑" pitchFamily="34" charset="-122"/>
+                <a:ea typeface="微软雅黑" pitchFamily="34" charset="-122"/>
+                <a:cs typeface="+mj-cs"/>
+              </a:rPr>
+              <a:t>devops</a:t>
+            </a:r>
+            <a:r>
+              <a:rPr lang="zh-CN" altLang="en-US" sz="4000" dirty="0" smtClean="0">
+                <a:solidFill>
+                  <a:srgbClr val="FF0000"/>
+                </a:solidFill>
+                <a:latin typeface="微软雅黑" pitchFamily="34" charset="-122"/>
+                <a:ea typeface="微软雅黑" pitchFamily="34" charset="-122"/>
+                <a:cs typeface="+mj-cs"/>
+              </a:rPr>
+              <a:t>各自组建</a:t>
+            </a:r>
+            <a:r>
+              <a:rPr lang="zh-CN" altLang="en-US" sz="4000" dirty="0" smtClean="0">
+                <a:solidFill>
+                  <a:srgbClr val="2C95DD"/>
+                </a:solidFill>
+                <a:latin typeface="微软雅黑" pitchFamily="34" charset="-122"/>
+                <a:ea typeface="微软雅黑" pitchFamily="34" charset="-122"/>
+                <a:cs typeface="+mj-cs"/>
+              </a:rPr>
+              <a:t>）</a:t>
             </a:r>
             <a:r>
               <a:rPr lang="en-US" dirty="0">
@@ -7768,6 +7979,15 @@
                     <a:latin typeface="Calibri"/>
                   </a:rPr>
                   <a:t>Kubernetes</a:t>
+                </a:r>
+                <a:r>
+                  <a:rPr lang="zh-CN" altLang="en-US" sz="2400" b="1" dirty="0" smtClean="0">
+                    <a:solidFill>
+                      <a:srgbClr val="000033"/>
+                    </a:solidFill>
+                    <a:latin typeface="Calibri"/>
+                  </a:rPr>
+                  <a:t>（下面画上虚拟机）</a:t>
                 </a:r>
                 <a:endParaRPr lang="en-US" sz="2400" b="1" dirty="0">
                   <a:solidFill>
@@ -8459,16 +8679,46 @@
           </a:xfrm>
         </p:spPr>
         <p:txBody>
-          <a:bodyPr/>
+          <a:bodyPr>
+            <a:normAutofit fontScale="90000"/>
+          </a:bodyPr>
           <a:lstStyle/>
           <a:p>
             <a:r>
               <a:rPr lang="zh-CN" altLang="en-US" dirty="0" smtClean="0"/>
-              <a:t>三种开发模式</a:t>
+              <a:t>三种开发</a:t>
+            </a:r>
+            <a:r>
+              <a:rPr lang="zh-CN" altLang="en-US" dirty="0" smtClean="0"/>
+              <a:t>模式</a:t>
             </a:r>
             <a:r>
               <a:rPr lang="en-US" altLang="zh-CN" dirty="0" smtClean="0"/>
-              <a:t>--DevOps</a:t>
+              <a:t>—DevOps </a:t>
+            </a:r>
+            <a:r>
+              <a:rPr lang="zh-CN" altLang="en-US" dirty="0" smtClean="0"/>
+              <a:t>（</a:t>
+            </a:r>
+            <a:r>
+              <a:rPr lang="en-US" altLang="zh-CN" dirty="0" smtClean="0">
+                <a:solidFill>
+                  <a:srgbClr val="FF0000"/>
+                </a:solidFill>
+              </a:rPr>
+              <a:t>PaaS</a:t>
+            </a:r>
+            <a:r>
+              <a:rPr lang="zh-CN" altLang="en-US" dirty="0" smtClean="0">
+                <a:solidFill>
+                  <a:srgbClr val="FF0000"/>
+                </a:solidFill>
+              </a:rPr>
+              <a:t>平台供应商做什么</a:t>
+            </a:r>
+            <a:r>
+              <a:rPr lang="zh-CN" altLang="en-US" dirty="0" smtClean="0"/>
+              <a:t>）</a:t>
             </a:r>
             <a:endParaRPr lang="zh-CN" altLang="en-US" dirty="0"/>
           </a:p>
@@ -10141,9 +10391,23 @@
                 <a:latin typeface="微软雅黑" panose="020B0503020204020204" pitchFamily="34" charset="-122"/>
                 <a:ea typeface="微软雅黑" panose="020B0503020204020204" pitchFamily="34" charset="-122"/>
               </a:rPr>
-              <a:t>持续交付三条主线（步骤）</a:t>
-            </a:r>
-            <a:endParaRPr lang="zh-CN" altLang="en-US" dirty="0"/>
+              <a:t>持续交付三条主线（步骤</a:t>
+            </a:r>
+            <a:r>
+              <a:rPr lang="zh-CN" altLang="en-US" b="1" dirty="0" smtClean="0">
+                <a:solidFill>
+                  <a:srgbClr val="FF0000"/>
+                </a:solidFill>
+                <a:latin typeface="微软雅黑" panose="020B0503020204020204" pitchFamily="34" charset="-122"/>
+                <a:ea typeface="微软雅黑" panose="020B0503020204020204" pitchFamily="34" charset="-122"/>
+              </a:rPr>
+              <a:t>）（左上角放开发环境）</a:t>
+            </a:r>
+            <a:endParaRPr lang="zh-CN" altLang="en-US" dirty="0">
+              <a:solidFill>
+                <a:srgbClr val="FF0000"/>
+              </a:solidFill>
+            </a:endParaRPr>
           </a:p>
         </p:txBody>
       </p:sp>
@@ -12344,8 +12608,33 @@
                 <a:latin typeface="微软雅黑" panose="020B0503020204020204" pitchFamily="34" charset="-122"/>
                 <a:ea typeface="微软雅黑" panose="020B0503020204020204" pitchFamily="34" charset="-122"/>
               </a:rPr>
-              <a:t>生产环境同步</a:t>
-            </a:r>
+              <a:t>生产</a:t>
+            </a:r>
+            <a:r>
+              <a:rPr lang="zh-CN" altLang="en-US" sz="1600" dirty="0" smtClean="0">
+                <a:latin typeface="微软雅黑" panose="020B0503020204020204" pitchFamily="34" charset="-122"/>
+                <a:ea typeface="微软雅黑" panose="020B0503020204020204" pitchFamily="34" charset="-122"/>
+              </a:rPr>
+              <a:t>环境发布</a:t>
+            </a:r>
+            <a:r>
+              <a:rPr lang="en-US" altLang="zh-CN" sz="1600" dirty="0" smtClean="0">
+                <a:latin typeface="微软雅黑" panose="020B0503020204020204" pitchFamily="34" charset="-122"/>
+                <a:ea typeface="微软雅黑" panose="020B0503020204020204" pitchFamily="34" charset="-122"/>
+              </a:rPr>
+              <a:t>/</a:t>
+            </a:r>
+            <a:r>
+              <a:rPr lang="zh-CN" altLang="en-US" sz="1600" dirty="0" smtClean="0">
+                <a:latin typeface="微软雅黑" panose="020B0503020204020204" pitchFamily="34" charset="-122"/>
+                <a:ea typeface="微软雅黑" panose="020B0503020204020204" pitchFamily="34" charset="-122"/>
+              </a:rPr>
+              <a:t>同步</a:t>
+            </a:r>
+            <a:endParaRPr lang="zh-CN" altLang="en-US" sz="1600" dirty="0" smtClean="0">
+              <a:latin typeface="微软雅黑" panose="020B0503020204020204" pitchFamily="34" charset="-122"/>
+              <a:ea typeface="微软雅黑" panose="020B0503020204020204" pitchFamily="34" charset="-122"/>
+            </a:endParaRPr>
           </a:p>
           <a:p>
             <a:pPr marL="0" indent="0">
@@ -32573,10 +32862,15 @@
             <p:ph type="title"/>
           </p:nvPr>
         </p:nvSpPr>
-        <p:spPr/>
+        <p:spPr>
+          <a:xfrm>
+            <a:off x="488951" y="531573"/>
+            <a:ext cx="11214100" cy="613833"/>
+          </a:xfrm>
+        </p:spPr>
         <p:txBody>
           <a:bodyPr>
-            <a:normAutofit/>
+            <a:normAutofit fontScale="90000"/>
           </a:bodyPr>
           <a:lstStyle/>
           <a:p>
@@ -32587,7 +32881,40 @@
               </a:rPr>
               <a:t>施工计划</a:t>
             </a:r>
+            <a:r>
+              <a:rPr lang="en-US" altLang="zh-CN" sz="3600" dirty="0" smtClean="0">
+                <a:solidFill>
+                  <a:srgbClr val="FF0000"/>
+                </a:solidFill>
+                <a:latin typeface="微软雅黑" panose="020B0503020204020204" pitchFamily="34" charset="-122"/>
+                <a:ea typeface="微软雅黑" panose="020B0503020204020204" pitchFamily="34" charset="-122"/>
+              </a:rPr>
+              <a:t>(</a:t>
+            </a:r>
+            <a:r>
+              <a:rPr lang="zh-CN" altLang="en-US" sz="3600" dirty="0" smtClean="0">
+                <a:solidFill>
+                  <a:srgbClr val="FF0000"/>
+                </a:solidFill>
+                <a:latin typeface="微软雅黑" panose="020B0503020204020204" pitchFamily="34" charset="-122"/>
+                <a:ea typeface="微软雅黑" panose="020B0503020204020204" pitchFamily="34" charset="-122"/>
+              </a:rPr>
+              <a:t>平台构建，平台维护，项目搭建，项目运维 各自的工作内容</a:t>
+            </a:r>
+            <a:r>
+              <a:rPr lang="en-US" altLang="zh-CN" sz="3600" dirty="0" smtClean="0">
+                <a:solidFill>
+                  <a:srgbClr val="FF0000"/>
+                </a:solidFill>
+                <a:latin typeface="微软雅黑" panose="020B0503020204020204" pitchFamily="34" charset="-122"/>
+                <a:ea typeface="微软雅黑" panose="020B0503020204020204" pitchFamily="34" charset="-122"/>
+              </a:rPr>
+              <a:t>)</a:t>
+            </a:r>
             <a:endParaRPr lang="zh-CN" altLang="en-US" sz="3600" dirty="0">
+              <a:solidFill>
+                <a:srgbClr val="FF0000"/>
+              </a:solidFill>
               <a:latin typeface="微软雅黑" panose="020B0503020204020204" pitchFamily="34" charset="-122"/>
               <a:ea typeface="微软雅黑" panose="020B0503020204020204" pitchFamily="34" charset="-122"/>
             </a:endParaRPr>
@@ -35887,7 +36214,7 @@
         <p:spPr bwMode="auto">
           <a:xfrm>
             <a:off x="6096000" y="2277156"/>
-            <a:ext cx="4581703" cy="3323987"/>
+            <a:ext cx="5959067" cy="3323987"/>
           </a:xfrm>
           <a:prstGeom prst="rect">
             <a:avLst/>
@@ -35963,8 +36290,47 @@
                 <a:latin typeface="微软雅黑" panose="020B0503020204020204" pitchFamily="34" charset="-122"/>
                 <a:ea typeface="微软雅黑" panose="020B0503020204020204" pitchFamily="34" charset="-122"/>
               </a:rPr>
-              <a:t>1.docker中不跑脚本</a:t>
-            </a:r>
+              <a:t>1.docker中不跑</a:t>
+            </a:r>
+            <a:r>
+              <a:rPr kumimoji="0" lang="zh-CN" altLang="zh-CN" sz="1400" b="0" i="0" u="none" strike="noStrike" cap="none" normalizeH="0" baseline="0" dirty="0" smtClean="0">
+                <a:ln>
+                  <a:noFill/>
+                </a:ln>
+                <a:solidFill>
+                  <a:schemeClr val="tx1"/>
+                </a:solidFill>
+                <a:effectLst/>
+                <a:latin typeface="微软雅黑" panose="020B0503020204020204" pitchFamily="34" charset="-122"/>
+                <a:ea typeface="微软雅黑" panose="020B0503020204020204" pitchFamily="34" charset="-122"/>
+              </a:rPr>
+              <a:t>脚本</a:t>
+            </a:r>
+            <a:r>
+              <a:rPr kumimoji="0" lang="zh-CN" altLang="en-US" sz="1400" b="0" i="0" u="none" strike="noStrike" cap="none" normalizeH="0" baseline="0" dirty="0" smtClean="0">
+                <a:ln>
+                  <a:noFill/>
+                </a:ln>
+                <a:solidFill>
+                  <a:srgbClr val="FF0000"/>
+                </a:solidFill>
+                <a:effectLst/>
+                <a:latin typeface="微软雅黑" panose="020B0503020204020204" pitchFamily="34" charset="-122"/>
+                <a:ea typeface="微软雅黑" panose="020B0503020204020204" pitchFamily="34" charset="-122"/>
+              </a:rPr>
+              <a:t>（举反例，扩展）</a:t>
+            </a:r>
+            <a:endParaRPr kumimoji="0" lang="zh-CN" altLang="zh-CN" sz="1400" b="0" i="0" u="none" strike="noStrike" cap="none" normalizeH="0" baseline="0" dirty="0" smtClean="0">
+              <a:ln>
+                <a:noFill/>
+              </a:ln>
+              <a:solidFill>
+                <a:srgbClr val="FF0000"/>
+              </a:solidFill>
+              <a:effectLst/>
+              <a:latin typeface="微软雅黑" panose="020B0503020204020204" pitchFamily="34" charset="-122"/>
+              <a:ea typeface="微软雅黑" panose="020B0503020204020204" pitchFamily="34" charset="-122"/>
+            </a:endParaRPr>
           </a:p>
           <a:p>
             <a:pPr marL="0" marR="0" lvl="0" indent="0" algn="l" defTabSz="914400" rtl="0" eaLnBrk="0" fontAlgn="base" latinLnBrk="0" hangingPunct="0">
@@ -36283,7 +36649,63 @@
                 <a:latin typeface="微软雅黑" panose="020B0503020204020204" pitchFamily="34" charset="-122"/>
                 <a:ea typeface="微软雅黑" panose="020B0503020204020204" pitchFamily="34" charset="-122"/>
               </a:rPr>
-              <a:t>10.要在镜像中存储证书及使用环境变量</a:t>
+              <a:t>10</a:t>
+            </a:r>
+            <a:r>
+              <a:rPr kumimoji="0" lang="zh-CN" altLang="zh-CN" sz="1400" b="0" i="0" u="none" strike="noStrike" cap="none" normalizeH="0" baseline="0" dirty="0" smtClean="0">
+                <a:ln>
+                  <a:noFill/>
+                </a:ln>
+                <a:solidFill>
+                  <a:schemeClr val="tx1"/>
+                </a:solidFill>
+                <a:effectLst/>
+                <a:latin typeface="微软雅黑" panose="020B0503020204020204" pitchFamily="34" charset="-122"/>
+                <a:ea typeface="微软雅黑" panose="020B0503020204020204" pitchFamily="34" charset="-122"/>
+              </a:rPr>
+              <a:t>.</a:t>
+            </a:r>
+            <a:r>
+              <a:rPr kumimoji="0" lang="zh-CN" altLang="en-US" sz="1400" b="0" i="0" u="none" strike="noStrike" cap="none" normalizeH="0" baseline="0" dirty="0" smtClean="0">
+                <a:ln>
+                  <a:noFill/>
+                </a:ln>
+                <a:solidFill>
+                  <a:schemeClr val="tx1"/>
+                </a:solidFill>
+                <a:effectLst/>
+                <a:latin typeface="微软雅黑" panose="020B0503020204020204" pitchFamily="34" charset="-122"/>
+                <a:ea typeface="微软雅黑" panose="020B0503020204020204" pitchFamily="34" charset="-122"/>
+              </a:rPr>
+              <a:t>不</a:t>
+            </a:r>
+            <a:r>
+              <a:rPr kumimoji="0" lang="zh-CN" altLang="zh-CN" sz="1400" b="0" i="0" u="none" strike="noStrike" cap="none" normalizeH="0" baseline="0" dirty="0" smtClean="0">
+                <a:ln>
+                  <a:noFill/>
+                </a:ln>
+                <a:solidFill>
+                  <a:schemeClr val="tx1"/>
+                </a:solidFill>
+                <a:effectLst/>
+                <a:latin typeface="微软雅黑" panose="020B0503020204020204" pitchFamily="34" charset="-122"/>
+                <a:ea typeface="微软雅黑" panose="020B0503020204020204" pitchFamily="34" charset="-122"/>
+              </a:rPr>
+              <a:t>要</a:t>
+            </a:r>
+            <a:r>
+              <a:rPr kumimoji="0" lang="zh-CN" altLang="zh-CN" sz="1400" b="0" i="0" u="none" strike="noStrike" cap="none" normalizeH="0" baseline="0" dirty="0" smtClean="0">
+                <a:ln>
+                  <a:noFill/>
+                </a:ln>
+                <a:solidFill>
+                  <a:schemeClr val="tx1"/>
+                </a:solidFill>
+                <a:effectLst/>
+                <a:latin typeface="微软雅黑" panose="020B0503020204020204" pitchFamily="34" charset="-122"/>
+                <a:ea typeface="微软雅黑" panose="020B0503020204020204" pitchFamily="34" charset="-122"/>
+              </a:rPr>
+              <a:t>在镜像中存储证书及使用环境变量</a:t>
             </a:r>
           </a:p>
           <a:p>
@@ -36347,8 +36769,75 @@
                 <a:latin typeface="微软雅黑" panose="020B0503020204020204" pitchFamily="34" charset="-122"/>
                 <a:ea typeface="微软雅黑" panose="020B0503020204020204" pitchFamily="34" charset="-122"/>
               </a:rPr>
-              <a:t>12.不要依赖 IP 地址</a:t>
-            </a:r>
+              <a:t>12.不要依赖 IP </a:t>
+            </a:r>
+            <a:r>
+              <a:rPr kumimoji="0" lang="zh-CN" altLang="zh-CN" sz="1400" b="0" i="0" u="none" strike="noStrike" cap="none" normalizeH="0" baseline="0" dirty="0" smtClean="0">
+                <a:ln>
+                  <a:noFill/>
+                </a:ln>
+                <a:solidFill>
+                  <a:schemeClr val="tx1"/>
+                </a:solidFill>
+                <a:effectLst/>
+                <a:latin typeface="微软雅黑" panose="020B0503020204020204" pitchFamily="34" charset="-122"/>
+                <a:ea typeface="微软雅黑" panose="020B0503020204020204" pitchFamily="34" charset="-122"/>
+              </a:rPr>
+              <a:t>地址</a:t>
+            </a:r>
+            <a:r>
+              <a:rPr kumimoji="0" lang="en-US" altLang="zh-CN" sz="1400" b="0" i="0" u="none" strike="noStrike" cap="none" normalizeH="0" baseline="0" dirty="0" smtClean="0">
+                <a:ln>
+                  <a:noFill/>
+                </a:ln>
+                <a:solidFill>
+                  <a:schemeClr val="tx1"/>
+                </a:solidFill>
+                <a:effectLst/>
+                <a:latin typeface="微软雅黑" panose="020B0503020204020204" pitchFamily="34" charset="-122"/>
+                <a:ea typeface="微软雅黑" panose="020B0503020204020204" pitchFamily="34" charset="-122"/>
+              </a:rPr>
+              <a:t>(</a:t>
+            </a:r>
+            <a:r>
+              <a:rPr kumimoji="0" lang="zh-CN" altLang="en-US" sz="1400" b="0" i="0" u="none" strike="noStrike" cap="none" normalizeH="0" baseline="0" dirty="0" smtClean="0">
+                <a:ln>
+                  <a:noFill/>
+                </a:ln>
+                <a:solidFill>
+                  <a:schemeClr val="tx1"/>
+                </a:solidFill>
+                <a:effectLst/>
+                <a:latin typeface="微软雅黑" panose="020B0503020204020204" pitchFamily="34" charset="-122"/>
+                <a:ea typeface="微软雅黑" panose="020B0503020204020204" pitchFamily="34" charset="-122"/>
+              </a:rPr>
+              <a:t>依赖服务注册和域名</a:t>
+            </a:r>
+            <a:r>
+              <a:rPr kumimoji="0" lang="en-US" altLang="zh-CN" sz="1400" b="0" i="0" u="none" strike="noStrike" cap="none" normalizeH="0" baseline="0" dirty="0" smtClean="0">
+                <a:ln>
+                  <a:noFill/>
+                </a:ln>
+                <a:solidFill>
+                  <a:schemeClr val="tx1"/>
+                </a:solidFill>
+                <a:effectLst/>
+                <a:latin typeface="微软雅黑" panose="020B0503020204020204" pitchFamily="34" charset="-122"/>
+                <a:ea typeface="微软雅黑" panose="020B0503020204020204" pitchFamily="34" charset="-122"/>
+              </a:rPr>
+              <a:t>)</a:t>
+            </a:r>
+            <a:endParaRPr kumimoji="0" lang="zh-CN" altLang="zh-CN" sz="1400" b="0" i="0" u="none" strike="noStrike" cap="none" normalizeH="0" baseline="0" dirty="0" smtClean="0">
+              <a:ln>
+                <a:noFill/>
+              </a:ln>
+              <a:solidFill>
+                <a:schemeClr val="tx1"/>
+              </a:solidFill>
+              <a:effectLst/>
+              <a:latin typeface="微软雅黑" panose="020B0503020204020204" pitchFamily="34" charset="-122"/>
+              <a:ea typeface="微软雅黑" panose="020B0503020204020204" pitchFamily="34" charset="-122"/>
+            </a:endParaRPr>
           </a:p>
           <a:p>
             <a:pPr marL="0" marR="0" lvl="0" indent="0" algn="l" defTabSz="914400" rtl="0" eaLnBrk="0" fontAlgn="base" latinLnBrk="0" hangingPunct="0">
@@ -36379,8 +36868,75 @@
                 <a:latin typeface="微软雅黑" panose="020B0503020204020204" pitchFamily="34" charset="-122"/>
                 <a:ea typeface="微软雅黑" panose="020B0503020204020204" pitchFamily="34" charset="-122"/>
               </a:rPr>
-              <a:t>13.容器监控自动发现</a:t>
-            </a:r>
+              <a:t>13.容器监控自动</a:t>
+            </a:r>
+            <a:r>
+              <a:rPr kumimoji="0" lang="zh-CN" altLang="zh-CN" sz="1400" b="0" i="0" u="none" strike="noStrike" cap="none" normalizeH="0" baseline="0" dirty="0" smtClean="0">
+                <a:ln>
+                  <a:noFill/>
+                </a:ln>
+                <a:solidFill>
+                  <a:schemeClr val="tx1"/>
+                </a:solidFill>
+                <a:effectLst/>
+                <a:latin typeface="微软雅黑" panose="020B0503020204020204" pitchFamily="34" charset="-122"/>
+                <a:ea typeface="微软雅黑" panose="020B0503020204020204" pitchFamily="34" charset="-122"/>
+              </a:rPr>
+              <a:t>发现</a:t>
+            </a:r>
+            <a:r>
+              <a:rPr kumimoji="0" lang="en-US" altLang="zh-CN" sz="1400" b="0" i="0" u="none" strike="noStrike" cap="none" normalizeH="0" baseline="0" dirty="0" smtClean="0">
+                <a:ln>
+                  <a:noFill/>
+                </a:ln>
+                <a:solidFill>
+                  <a:schemeClr val="tx1"/>
+                </a:solidFill>
+                <a:effectLst/>
+                <a:latin typeface="微软雅黑" panose="020B0503020204020204" pitchFamily="34" charset="-122"/>
+                <a:ea typeface="微软雅黑" panose="020B0503020204020204" pitchFamily="34" charset="-122"/>
+              </a:rPr>
+              <a:t>(</a:t>
+            </a:r>
+            <a:r>
+              <a:rPr kumimoji="0" lang="en-US" altLang="zh-CN" sz="1400" b="0" i="0" u="none" strike="noStrike" cap="none" normalizeH="0" baseline="0" dirty="0" err="1" smtClean="0">
+                <a:ln>
+                  <a:noFill/>
+                </a:ln>
+                <a:solidFill>
+                  <a:schemeClr val="tx1"/>
+                </a:solidFill>
+                <a:effectLst/>
+                <a:latin typeface="微软雅黑" panose="020B0503020204020204" pitchFamily="34" charset="-122"/>
+                <a:ea typeface="微软雅黑" panose="020B0503020204020204" pitchFamily="34" charset="-122"/>
+              </a:rPr>
+              <a:t>zabbix</a:t>
+            </a:r>
+            <a:r>
+              <a:rPr kumimoji="0" lang="en-US" altLang="zh-CN" sz="1400" b="0" i="0" u="none" strike="noStrike" cap="none" normalizeH="0" baseline="0" dirty="0" smtClean="0">
+                <a:ln>
+                  <a:noFill/>
+                </a:ln>
+                <a:solidFill>
+                  <a:schemeClr val="tx1"/>
+                </a:solidFill>
+                <a:effectLst/>
+                <a:latin typeface="微软雅黑" panose="020B0503020204020204" pitchFamily="34" charset="-122"/>
+                <a:ea typeface="微软雅黑" panose="020B0503020204020204" pitchFamily="34" charset="-122"/>
+              </a:rPr>
+              <a:t> elk)</a:t>
+            </a:r>
+            <a:endParaRPr kumimoji="0" lang="zh-CN" altLang="zh-CN" sz="1400" b="0" i="0" u="none" strike="noStrike" cap="none" normalizeH="0" baseline="0" dirty="0" smtClean="0">
+              <a:ln>
+                <a:noFill/>
+              </a:ln>
+              <a:solidFill>
+                <a:schemeClr val="tx1"/>
+              </a:solidFill>
+              <a:effectLst/>
+              <a:latin typeface="微软雅黑" panose="020B0503020204020204" pitchFamily="34" charset="-122"/>
+              <a:ea typeface="微软雅黑" panose="020B0503020204020204" pitchFamily="34" charset="-122"/>
+            </a:endParaRPr>
           </a:p>
           <a:p>
             <a:pPr marL="0" marR="0" lvl="0" indent="0" algn="l" defTabSz="914400" rtl="0" eaLnBrk="0" fontAlgn="base" latinLnBrk="0" hangingPunct="0">
@@ -36411,8 +36967,68 @@
                 <a:latin typeface="微软雅黑" panose="020B0503020204020204" pitchFamily="34" charset="-122"/>
                 <a:ea typeface="微软雅黑" panose="020B0503020204020204" pitchFamily="34" charset="-122"/>
               </a:rPr>
-              <a:t>14.应用与服务分开(内置服务or第三方外置服务)</a:t>
-            </a:r>
+              <a:t>14.应用与服务分开(内置服务or第三方外置服务</a:t>
+            </a:r>
+            <a:r>
+              <a:rPr kumimoji="0" lang="zh-CN" altLang="zh-CN" sz="1400" b="0" i="0" u="none" strike="noStrike" cap="none" normalizeH="0" baseline="0" dirty="0" smtClean="0">
+                <a:ln>
+                  <a:noFill/>
+                </a:ln>
+                <a:solidFill>
+                  <a:schemeClr val="tx1"/>
+                </a:solidFill>
+                <a:effectLst/>
+                <a:latin typeface="微软雅黑" panose="020B0503020204020204" pitchFamily="34" charset="-122"/>
+                <a:ea typeface="微软雅黑" panose="020B0503020204020204" pitchFamily="34" charset="-122"/>
+              </a:rPr>
+              <a:t>)</a:t>
+            </a:r>
+            <a:r>
+              <a:rPr lang="zh-CN" altLang="en-US" sz="1400" dirty="0" smtClean="0">
+                <a:latin typeface="微软雅黑" panose="020B0503020204020204" pitchFamily="34" charset="-122"/>
+                <a:ea typeface="微软雅黑" panose="020B0503020204020204" pitchFamily="34" charset="-122"/>
+              </a:rPr>
+              <a:t>应用在</a:t>
+            </a:r>
+            <a:r>
+              <a:rPr lang="en-US" altLang="zh-CN" sz="1400" dirty="0" err="1" smtClean="0">
+                <a:latin typeface="微软雅黑" panose="020B0503020204020204" pitchFamily="34" charset="-122"/>
+                <a:ea typeface="微软雅黑" panose="020B0503020204020204" pitchFamily="34" charset="-122"/>
+              </a:rPr>
+              <a:t>docker</a:t>
+            </a:r>
+            <a:r>
+              <a:rPr lang="en-US" altLang="zh-CN" sz="1400" dirty="0" smtClean="0">
+                <a:latin typeface="微软雅黑" panose="020B0503020204020204" pitchFamily="34" charset="-122"/>
+                <a:ea typeface="微软雅黑" panose="020B0503020204020204" pitchFamily="34" charset="-122"/>
+              </a:rPr>
+              <a:t>,</a:t>
+            </a:r>
+            <a:r>
+              <a:rPr lang="zh-CN" altLang="en-US" sz="1400" dirty="0" smtClean="0">
+                <a:latin typeface="微软雅黑" panose="020B0503020204020204" pitchFamily="34" charset="-122"/>
+                <a:ea typeface="微软雅黑" panose="020B0503020204020204" pitchFamily="34" charset="-122"/>
+              </a:rPr>
+              <a:t>服务在</a:t>
+            </a:r>
+            <a:r>
+              <a:rPr lang="en-US" altLang="zh-CN" sz="1400" dirty="0" smtClean="0">
+                <a:latin typeface="微软雅黑" panose="020B0503020204020204" pitchFamily="34" charset="-122"/>
+                <a:ea typeface="微软雅黑" panose="020B0503020204020204" pitchFamily="34" charset="-122"/>
+              </a:rPr>
+              <a:t>VM</a:t>
+            </a:r>
+            <a:endParaRPr kumimoji="0" lang="zh-CN" altLang="zh-CN" sz="1400" b="0" i="0" u="none" strike="noStrike" cap="none" normalizeH="0" baseline="0" dirty="0" smtClean="0">
+              <a:ln>
+                <a:noFill/>
+              </a:ln>
+              <a:solidFill>
+                <a:schemeClr val="tx1"/>
+              </a:solidFill>
+              <a:effectLst/>
+              <a:latin typeface="微软雅黑" panose="020B0503020204020204" pitchFamily="34" charset="-122"/>
+              <a:ea typeface="微软雅黑" panose="020B0503020204020204" pitchFamily="34" charset="-122"/>
+            </a:endParaRPr>
           </a:p>
         </p:txBody>
       </p:sp>
@@ -36786,8 +37402,52 @@
                 <a:latin typeface="微软雅黑" panose="020B0503020204020204" pitchFamily="34" charset="-122"/>
                 <a:ea typeface="微软雅黑" panose="020B0503020204020204" pitchFamily="34" charset="-122"/>
               </a:rPr>
-              <a:t>的划分</a:t>
-            </a:r>
+              <a:t>的</a:t>
+            </a:r>
+            <a:r>
+              <a:rPr lang="zh-CN" altLang="en-US" sz="2000" dirty="0" smtClean="0">
+                <a:latin typeface="微软雅黑" panose="020B0503020204020204" pitchFamily="34" charset="-122"/>
+                <a:ea typeface="微软雅黑" panose="020B0503020204020204" pitchFamily="34" charset="-122"/>
+              </a:rPr>
+              <a:t>划分</a:t>
+            </a:r>
+            <a:r>
+              <a:rPr lang="en-US" altLang="zh-CN" sz="2000" dirty="0" smtClean="0">
+                <a:solidFill>
+                  <a:srgbClr val="FF0000"/>
+                </a:solidFill>
+                <a:latin typeface="微软雅黑" panose="020B0503020204020204" pitchFamily="34" charset="-122"/>
+                <a:ea typeface="微软雅黑" panose="020B0503020204020204" pitchFamily="34" charset="-122"/>
+              </a:rPr>
+              <a:t>(</a:t>
+            </a:r>
+            <a:r>
+              <a:rPr lang="zh-CN" altLang="en-US" sz="2000" dirty="0" smtClean="0">
+                <a:solidFill>
+                  <a:srgbClr val="FF0000"/>
+                </a:solidFill>
+                <a:latin typeface="微软雅黑" panose="020B0503020204020204" pitchFamily="34" charset="-122"/>
+                <a:ea typeface="微软雅黑" panose="020B0503020204020204" pitchFamily="34" charset="-122"/>
+              </a:rPr>
+              <a:t>运维</a:t>
+            </a:r>
+            <a:r>
+              <a:rPr lang="en-US" altLang="zh-CN" sz="2000" dirty="0" smtClean="0">
+                <a:solidFill>
+                  <a:srgbClr val="FF0000"/>
+                </a:solidFill>
+                <a:latin typeface="微软雅黑" panose="020B0503020204020204" pitchFamily="34" charset="-122"/>
+                <a:ea typeface="微软雅黑" panose="020B0503020204020204" pitchFamily="34" charset="-122"/>
+              </a:rPr>
+              <a:t>)</a:t>
+            </a:r>
+            <a:endParaRPr lang="zh-CN" altLang="en-US" sz="2000" dirty="0" smtClean="0">
+              <a:solidFill>
+                <a:srgbClr val="FF0000"/>
+              </a:solidFill>
+              <a:latin typeface="微软雅黑" panose="020B0503020204020204" pitchFamily="34" charset="-122"/>
+              <a:ea typeface="微软雅黑" panose="020B0503020204020204" pitchFamily="34" charset="-122"/>
+            </a:endParaRPr>
           </a:p>
           <a:p>
             <a:pPr marL="0" indent="0" eaLnBrk="0" fontAlgn="base" hangingPunct="0">
